--- a/964dfcccaa340b69a13edee726dd32a0.pptx
+++ b/964dfcccaa340b69a13edee726dd32a0.pptx
@@ -209,7 +209,7 @@
           <a:p>
             <a:fld id="{2353A075-29DF-4CAE-8BA7-CDA0ED456C88}" type="datetimeFigureOut">
               <a:rPr lang="zh-CN" altLang="en-US" smtClean="0"/>
-              <a:t>2020/6/8 Monday</a:t>
+              <a:t>2020/6/10 Wednesday</a:t>
             </a:fld>
             <a:endParaRPr lang="zh-CN" altLang="en-US"/>
           </a:p>
@@ -374,7 +374,7 @@
           <a:p>
             <a:fld id="{6A2B73EA-EE91-4E33-A9C1-8BF5DD7139A2}" type="datetimeFigureOut">
               <a:rPr lang="zh-CN" altLang="en-US" smtClean="0"/>
-              <a:t>2020/6/8 Monday</a:t>
+              <a:t>2020/6/10 Wednesday</a:t>
             </a:fld>
             <a:endParaRPr lang="zh-CN" altLang="en-US"/>
           </a:p>
@@ -1275,7 +1275,7 @@
           <a:p>
             <a:fld id="{530820CF-B880-4189-942D-D702A7CBA730}" type="datetimeFigureOut">
               <a:rPr lang="zh-CN" altLang="en-US" smtClean="0"/>
-              <a:t>2020/6/8 Monday</a:t>
+              <a:t>2020/6/10 Wednesday</a:t>
             </a:fld>
             <a:endParaRPr lang="zh-CN" altLang="en-US"/>
           </a:p>
@@ -1486,7 +1486,7 @@
           <a:p>
             <a:fld id="{530820CF-B880-4189-942D-D702A7CBA730}" type="datetimeFigureOut">
               <a:rPr lang="zh-CN" altLang="en-US" smtClean="0"/>
-              <a:t>2020/6/8 Monday</a:t>
+              <a:t>2020/6/10 Wednesday</a:t>
             </a:fld>
             <a:endParaRPr lang="zh-CN" altLang="en-US"/>
           </a:p>
@@ -2571,16 +2571,6 @@
               </a:rPr>
               <a:t>阿里规范：</a:t>
             </a:r>
-            <a:endParaRPr lang="zh-CN" altLang="en-US" sz="2000" dirty="0" smtClean="0">
-              <a:solidFill>
-                <a:schemeClr val="tx1">
-                  <a:lumMod val="75000"/>
-                  <a:lumOff val="25000"/>
-                </a:schemeClr>
-              </a:solidFill>
-              <a:latin typeface="微软雅黑" panose="020B0503020204020204" pitchFamily="34" charset="-122"/>
-              <a:ea typeface="微软雅黑" panose="020B0503020204020204" pitchFamily="34" charset="-122"/>
-            </a:endParaRPr>
           </a:p>
         </p:txBody>
       </p:sp>
@@ -2653,6 +2643,780 @@
               </a:rPr>
               <a:t>项目应用</a:t>
             </a:r>
+          </a:p>
+        </p:txBody>
+      </p:sp>
+      <p:sp>
+        <p:nvSpPr>
+          <p:cNvPr id="2" name="TextBox 1"/>
+          <p:cNvSpPr txBox="1"/>
+          <p:nvPr/>
+        </p:nvSpPr>
+        <p:spPr>
+          <a:xfrm>
+            <a:off x="642853" y="998607"/>
+            <a:ext cx="6147837" cy="3046988"/>
+          </a:xfrm>
+          <a:prstGeom prst="rect">
+            <a:avLst/>
+          </a:prstGeom>
+          <a:noFill/>
+        </p:spPr>
+        <p:txBody>
+          <a:bodyPr wrap="none" rtlCol="0">
+            <a:spAutoFit/>
+          </a:bodyPr>
+          <a:lstStyle/>
+          <a:p>
+            <a:r>
+              <a:rPr lang="zh-CN" altLang="en-US" sz="1200" dirty="0" smtClean="0">
+                <a:solidFill>
+                  <a:schemeClr val="tx1">
+                    <a:lumMod val="75000"/>
+                    <a:lumOff val="25000"/>
+                  </a:schemeClr>
+                </a:solidFill>
+                <a:latin typeface="微软雅黑" panose="020B0503020204020204" pitchFamily="34" charset="-122"/>
+                <a:ea typeface="微软雅黑" panose="020B0503020204020204" pitchFamily="34" charset="-122"/>
+              </a:rPr>
+              <a:t>异步任务：</a:t>
+            </a:r>
+            <a:endParaRPr lang="en-US" altLang="zh-CN" sz="1200" dirty="0" smtClean="0">
+              <a:solidFill>
+                <a:schemeClr val="tx1">
+                  <a:lumMod val="75000"/>
+                  <a:lumOff val="25000"/>
+                </a:schemeClr>
+              </a:solidFill>
+              <a:latin typeface="微软雅黑" panose="020B0503020204020204" pitchFamily="34" charset="-122"/>
+              <a:ea typeface="微软雅黑" panose="020B0503020204020204" pitchFamily="34" charset="-122"/>
+            </a:endParaRPr>
+          </a:p>
+          <a:p>
+            <a:r>
+              <a:rPr lang="en-US" altLang="zh-CN" sz="1200" dirty="0" smtClean="0">
+                <a:solidFill>
+                  <a:schemeClr val="tx1">
+                    <a:lumMod val="75000"/>
+                    <a:lumOff val="25000"/>
+                  </a:schemeClr>
+                </a:solidFill>
+                <a:latin typeface="Yu Gothic UI" pitchFamily="34" charset="-128"/>
+                <a:ea typeface="Yu Gothic UI" pitchFamily="34" charset="-128"/>
+              </a:rPr>
+              <a:t>       </a:t>
+            </a:r>
+            <a:r>
+              <a:rPr lang="zh-CN" altLang="en-US" sz="1200" dirty="0" smtClean="0">
+                <a:solidFill>
+                  <a:schemeClr val="tx1">
+                    <a:lumMod val="75000"/>
+                    <a:lumOff val="25000"/>
+                  </a:schemeClr>
+                </a:solidFill>
+                <a:latin typeface="华文宋体" pitchFamily="2" charset="-122"/>
+                <a:ea typeface="华文宋体" pitchFamily="2" charset="-122"/>
+              </a:rPr>
+              <a:t>在主线程内单起一条线程，执行子任务</a:t>
+            </a:r>
+            <a:endParaRPr lang="en-US" altLang="zh-CN" sz="1200" dirty="0" smtClean="0">
+              <a:solidFill>
+                <a:schemeClr val="tx1">
+                  <a:lumMod val="75000"/>
+                  <a:lumOff val="25000"/>
+                </a:schemeClr>
+              </a:solidFill>
+              <a:latin typeface="华文宋体" pitchFamily="2" charset="-122"/>
+              <a:ea typeface="华文宋体" pitchFamily="2" charset="-122"/>
+            </a:endParaRPr>
+          </a:p>
+          <a:p>
+            <a:r>
+              <a:rPr lang="zh-CN" altLang="en-US" sz="1200" dirty="0" smtClean="0">
+                <a:solidFill>
+                  <a:schemeClr val="tx1">
+                    <a:lumMod val="75000"/>
+                    <a:lumOff val="25000"/>
+                  </a:schemeClr>
+                </a:solidFill>
+                <a:latin typeface="华文宋体" pitchFamily="2" charset="-122"/>
+                <a:ea typeface="华文宋体" pitchFamily="2" charset="-122"/>
+              </a:rPr>
+              <a:t>一些不需要实时返回给客户的操作都可以后台异步执行。</a:t>
+            </a:r>
+            <a:endParaRPr lang="en-US" altLang="zh-CN" sz="1200" dirty="0" smtClean="0">
+              <a:solidFill>
+                <a:schemeClr val="tx1">
+                  <a:lumMod val="75000"/>
+                  <a:lumOff val="25000"/>
+                </a:schemeClr>
+              </a:solidFill>
+              <a:latin typeface="华文宋体" pitchFamily="2" charset="-122"/>
+              <a:ea typeface="华文宋体" pitchFamily="2" charset="-122"/>
+            </a:endParaRPr>
+          </a:p>
+          <a:p>
+            <a:endParaRPr lang="en-US" altLang="zh-CN" sz="1200" dirty="0">
+              <a:solidFill>
+                <a:schemeClr val="tx1">
+                  <a:lumMod val="75000"/>
+                  <a:lumOff val="25000"/>
+                </a:schemeClr>
+              </a:solidFill>
+              <a:latin typeface="微软雅黑" panose="020B0503020204020204" pitchFamily="34" charset="-122"/>
+              <a:ea typeface="微软雅黑" panose="020B0503020204020204" pitchFamily="34" charset="-122"/>
+            </a:endParaRPr>
+          </a:p>
+          <a:p>
+            <a:r>
+              <a:rPr lang="zh-CN" altLang="en-US" sz="1200" dirty="0" smtClean="0">
+                <a:solidFill>
+                  <a:schemeClr val="tx1">
+                    <a:lumMod val="75000"/>
+                    <a:lumOff val="25000"/>
+                  </a:schemeClr>
+                </a:solidFill>
+                <a:latin typeface="微软雅黑" panose="020B0503020204020204" pitchFamily="34" charset="-122"/>
+                <a:ea typeface="微软雅黑" panose="020B0503020204020204" pitchFamily="34" charset="-122"/>
+              </a:rPr>
+              <a:t>分治：</a:t>
+            </a:r>
+            <a:endParaRPr lang="en-US" altLang="zh-CN" sz="1200" dirty="0" smtClean="0">
+              <a:solidFill>
+                <a:schemeClr val="tx1">
+                  <a:lumMod val="75000"/>
+                  <a:lumOff val="25000"/>
+                </a:schemeClr>
+              </a:solidFill>
+              <a:latin typeface="微软雅黑" panose="020B0503020204020204" pitchFamily="34" charset="-122"/>
+              <a:ea typeface="微软雅黑" panose="020B0503020204020204" pitchFamily="34" charset="-122"/>
+            </a:endParaRPr>
+          </a:p>
+          <a:p>
+            <a:r>
+              <a:rPr lang="en-US" altLang="zh-CN" sz="1200" dirty="0" smtClean="0">
+                <a:solidFill>
+                  <a:schemeClr val="tx1">
+                    <a:lumMod val="75000"/>
+                    <a:lumOff val="25000"/>
+                  </a:schemeClr>
+                </a:solidFill>
+                <a:latin typeface="微软雅黑" panose="020B0503020204020204" pitchFamily="34" charset="-122"/>
+                <a:ea typeface="微软雅黑" panose="020B0503020204020204" pitchFamily="34" charset="-122"/>
+              </a:rPr>
+              <a:t>       </a:t>
+            </a:r>
+            <a:r>
+              <a:rPr lang="zh-CN" altLang="en-US" sz="1200" dirty="0">
+                <a:solidFill>
+                  <a:schemeClr val="tx1">
+                    <a:lumMod val="75000"/>
+                    <a:lumOff val="25000"/>
+                  </a:schemeClr>
+                </a:solidFill>
+                <a:latin typeface="华文宋体" pitchFamily="2" charset="-122"/>
+                <a:ea typeface="华文宋体" pitchFamily="2" charset="-122"/>
+              </a:rPr>
+              <a:t>将一个耗时较长的同步任务，拆解成多个异步任务，处理完毕后，结果汇总。</a:t>
+            </a:r>
+            <a:endParaRPr lang="en-US" altLang="zh-CN" sz="1200" dirty="0">
+              <a:solidFill>
+                <a:schemeClr val="tx1">
+                  <a:lumMod val="75000"/>
+                  <a:lumOff val="25000"/>
+                </a:schemeClr>
+              </a:solidFill>
+              <a:latin typeface="华文宋体" pitchFamily="2" charset="-122"/>
+              <a:ea typeface="华文宋体" pitchFamily="2" charset="-122"/>
+            </a:endParaRPr>
+          </a:p>
+          <a:p>
+            <a:r>
+              <a:rPr lang="zh-CN" altLang="en-US" sz="1200" dirty="0">
+                <a:solidFill>
+                  <a:schemeClr val="tx1">
+                    <a:lumMod val="75000"/>
+                    <a:lumOff val="25000"/>
+                  </a:schemeClr>
+                </a:solidFill>
+                <a:latin typeface="华文宋体" pitchFamily="2" charset="-122"/>
+                <a:ea typeface="华文宋体" pitchFamily="2" charset="-122"/>
+              </a:rPr>
+              <a:t>配合</a:t>
+            </a:r>
+            <a:r>
+              <a:rPr lang="en-US" altLang="zh-CN" sz="1200" dirty="0">
+                <a:solidFill>
+                  <a:schemeClr val="tx1">
+                    <a:lumMod val="75000"/>
+                    <a:lumOff val="25000"/>
+                  </a:schemeClr>
+                </a:solidFill>
+                <a:latin typeface="华文宋体" pitchFamily="2" charset="-122"/>
+                <a:ea typeface="华文宋体" pitchFamily="2" charset="-122"/>
+              </a:rPr>
+              <a:t>Future</a:t>
+            </a:r>
+            <a:r>
+              <a:rPr lang="zh-CN" altLang="en-US" sz="1200" dirty="0">
+                <a:solidFill>
+                  <a:schemeClr val="tx1">
+                    <a:lumMod val="75000"/>
+                    <a:lumOff val="25000"/>
+                  </a:schemeClr>
+                </a:solidFill>
+                <a:latin typeface="华文宋体" pitchFamily="2" charset="-122"/>
+                <a:ea typeface="华文宋体" pitchFamily="2" charset="-122"/>
+              </a:rPr>
+              <a:t>一起使用。</a:t>
+            </a:r>
+            <a:endParaRPr lang="en-US" altLang="zh-CN" sz="1200" dirty="0">
+              <a:solidFill>
+                <a:schemeClr val="tx1">
+                  <a:lumMod val="75000"/>
+                  <a:lumOff val="25000"/>
+                </a:schemeClr>
+              </a:solidFill>
+              <a:latin typeface="华文宋体" pitchFamily="2" charset="-122"/>
+              <a:ea typeface="华文宋体" pitchFamily="2" charset="-122"/>
+            </a:endParaRPr>
+          </a:p>
+          <a:p>
+            <a:r>
+              <a:rPr lang="zh-CN" altLang="en-US" sz="1200" dirty="0" smtClean="0">
+                <a:solidFill>
+                  <a:schemeClr val="tx1">
+                    <a:lumMod val="75000"/>
+                    <a:lumOff val="25000"/>
+                  </a:schemeClr>
+                </a:solidFill>
+                <a:latin typeface="华文宋体" pitchFamily="2" charset="-122"/>
+                <a:ea typeface="华文宋体" pitchFamily="2" charset="-122"/>
+              </a:rPr>
+              <a:t>        通常</a:t>
+            </a:r>
+            <a:r>
+              <a:rPr lang="zh-CN" altLang="en-US" sz="1200" dirty="0">
+                <a:solidFill>
+                  <a:schemeClr val="tx1">
+                    <a:lumMod val="75000"/>
+                    <a:lumOff val="25000"/>
+                  </a:schemeClr>
+                </a:solidFill>
+                <a:latin typeface="华文宋体" pitchFamily="2" charset="-122"/>
+                <a:ea typeface="华文宋体" pitchFamily="2" charset="-122"/>
+              </a:rPr>
+              <a:t>使用</a:t>
+            </a:r>
+            <a:r>
+              <a:rPr lang="en-US" altLang="zh-CN" sz="1200" dirty="0">
+                <a:solidFill>
+                  <a:schemeClr val="tx1">
+                    <a:lumMod val="75000"/>
+                    <a:lumOff val="25000"/>
+                  </a:schemeClr>
+                </a:solidFill>
+                <a:latin typeface="华文宋体" pitchFamily="2" charset="-122"/>
+                <a:ea typeface="华文宋体" pitchFamily="2" charset="-122"/>
+              </a:rPr>
+              <a:t>Spring</a:t>
+            </a:r>
+            <a:r>
+              <a:rPr lang="zh-CN" altLang="en-US" sz="1200" dirty="0">
+                <a:solidFill>
+                  <a:schemeClr val="tx1">
+                    <a:lumMod val="75000"/>
+                    <a:lumOff val="25000"/>
+                  </a:schemeClr>
+                </a:solidFill>
+                <a:latin typeface="华文宋体" pitchFamily="2" charset="-122"/>
+                <a:ea typeface="华文宋体" pitchFamily="2" charset="-122"/>
+              </a:rPr>
+              <a:t>提供</a:t>
+            </a:r>
+            <a:r>
+              <a:rPr lang="en-US" altLang="zh-CN" sz="1200" dirty="0" err="1">
+                <a:solidFill>
+                  <a:schemeClr val="tx1">
+                    <a:lumMod val="75000"/>
+                    <a:lumOff val="25000"/>
+                  </a:schemeClr>
+                </a:solidFill>
+                <a:latin typeface="华文宋体" pitchFamily="2" charset="-122"/>
+                <a:ea typeface="华文宋体" pitchFamily="2" charset="-122"/>
+              </a:rPr>
+              <a:t>ThreadPoolTaskExecutor</a:t>
+            </a:r>
+            <a:r>
+              <a:rPr lang="en-US" altLang="zh-CN" sz="1200" dirty="0">
+                <a:solidFill>
+                  <a:schemeClr val="tx1">
+                    <a:lumMod val="75000"/>
+                    <a:lumOff val="25000"/>
+                  </a:schemeClr>
+                </a:solidFill>
+                <a:latin typeface="华文宋体" pitchFamily="2" charset="-122"/>
+                <a:ea typeface="华文宋体" pitchFamily="2" charset="-122"/>
+              </a:rPr>
+              <a:t>,</a:t>
+            </a:r>
+            <a:r>
+              <a:rPr lang="zh-CN" altLang="en-US" sz="1200" dirty="0">
+                <a:solidFill>
+                  <a:schemeClr val="tx1">
+                    <a:lumMod val="75000"/>
+                    <a:lumOff val="25000"/>
+                  </a:schemeClr>
+                </a:solidFill>
+                <a:latin typeface="华文宋体" pitchFamily="2" charset="-122"/>
+                <a:ea typeface="华文宋体" pitchFamily="2" charset="-122"/>
+              </a:rPr>
+              <a:t>使用方式和</a:t>
+            </a:r>
+            <a:r>
+              <a:rPr lang="en-US" altLang="zh-CN" sz="1200" dirty="0" err="1">
+                <a:solidFill>
+                  <a:schemeClr val="tx1">
+                    <a:lumMod val="75000"/>
+                    <a:lumOff val="25000"/>
+                  </a:schemeClr>
+                </a:solidFill>
+                <a:latin typeface="华文宋体" pitchFamily="2" charset="-122"/>
+                <a:ea typeface="华文宋体" pitchFamily="2" charset="-122"/>
+              </a:rPr>
+              <a:t>ThreadPoolExecutor</a:t>
+            </a:r>
+            <a:r>
+              <a:rPr lang="zh-CN" altLang="en-US" sz="1200" dirty="0">
+                <a:solidFill>
+                  <a:schemeClr val="tx1">
+                    <a:lumMod val="75000"/>
+                    <a:lumOff val="25000"/>
+                  </a:schemeClr>
+                </a:solidFill>
+                <a:latin typeface="华文宋体" pitchFamily="2" charset="-122"/>
+                <a:ea typeface="华文宋体" pitchFamily="2" charset="-122"/>
+              </a:rPr>
+              <a:t>类似</a:t>
+            </a:r>
+            <a:endParaRPr lang="en-US" altLang="zh-CN" sz="1200" dirty="0">
+              <a:solidFill>
+                <a:schemeClr val="tx1">
+                  <a:lumMod val="75000"/>
+                  <a:lumOff val="25000"/>
+                </a:schemeClr>
+              </a:solidFill>
+              <a:latin typeface="华文宋体" pitchFamily="2" charset="-122"/>
+              <a:ea typeface="华文宋体" pitchFamily="2" charset="-122"/>
+            </a:endParaRPr>
+          </a:p>
+          <a:p>
+            <a:r>
+              <a:rPr lang="en-US" altLang="zh-CN" sz="1200" dirty="0">
+                <a:solidFill>
+                  <a:schemeClr val="tx1">
+                    <a:lumMod val="75000"/>
+                    <a:lumOff val="25000"/>
+                  </a:schemeClr>
+                </a:solidFill>
+                <a:latin typeface="华文宋体" pitchFamily="2" charset="-122"/>
+                <a:ea typeface="华文宋体" pitchFamily="2" charset="-122"/>
+              </a:rPr>
+              <a:t>Spring</a:t>
+            </a:r>
+            <a:r>
+              <a:rPr lang="zh-CN" altLang="en-US" sz="1200" dirty="0">
+                <a:solidFill>
+                  <a:schemeClr val="tx1">
+                    <a:lumMod val="75000"/>
+                    <a:lumOff val="25000"/>
+                  </a:schemeClr>
+                </a:solidFill>
+                <a:latin typeface="华文宋体" pitchFamily="2" charset="-122"/>
+                <a:ea typeface="华文宋体" pitchFamily="2" charset="-122"/>
+              </a:rPr>
+              <a:t>还提供了</a:t>
+            </a:r>
+            <a:r>
+              <a:rPr lang="en-US" altLang="zh-CN" sz="1200" dirty="0">
+                <a:solidFill>
+                  <a:schemeClr val="tx1">
+                    <a:lumMod val="75000"/>
+                    <a:lumOff val="25000"/>
+                  </a:schemeClr>
+                </a:solidFill>
+                <a:latin typeface="华文宋体" pitchFamily="2" charset="-122"/>
+                <a:ea typeface="华文宋体" pitchFamily="2" charset="-122"/>
+              </a:rPr>
+              <a:t>@</a:t>
+            </a:r>
+            <a:r>
+              <a:rPr lang="en-US" altLang="zh-CN" sz="1200" dirty="0" err="1">
+                <a:solidFill>
+                  <a:schemeClr val="tx1">
+                    <a:lumMod val="75000"/>
+                    <a:lumOff val="25000"/>
+                  </a:schemeClr>
+                </a:solidFill>
+                <a:latin typeface="华文宋体" pitchFamily="2" charset="-122"/>
+                <a:ea typeface="华文宋体" pitchFamily="2" charset="-122"/>
+              </a:rPr>
+              <a:t>Async</a:t>
+            </a:r>
+            <a:r>
+              <a:rPr lang="zh-CN" altLang="en-US" sz="1200" dirty="0">
+                <a:solidFill>
+                  <a:schemeClr val="tx1">
+                    <a:lumMod val="75000"/>
+                    <a:lumOff val="25000"/>
+                  </a:schemeClr>
+                </a:solidFill>
+                <a:latin typeface="华文宋体" pitchFamily="2" charset="-122"/>
+                <a:ea typeface="华文宋体" pitchFamily="2" charset="-122"/>
+              </a:rPr>
+              <a:t>注解，可以开启异步任务</a:t>
+            </a:r>
+            <a:endParaRPr lang="en-US" altLang="zh-CN" sz="1200" dirty="0">
+              <a:solidFill>
+                <a:schemeClr val="tx1">
+                  <a:lumMod val="75000"/>
+                  <a:lumOff val="25000"/>
+                </a:schemeClr>
+              </a:solidFill>
+              <a:latin typeface="华文宋体" pitchFamily="2" charset="-122"/>
+              <a:ea typeface="华文宋体" pitchFamily="2" charset="-122"/>
+            </a:endParaRPr>
+          </a:p>
+          <a:p>
+            <a:r>
+              <a:rPr lang="zh-CN" altLang="en-US" sz="1200" dirty="0" smtClean="0">
+                <a:solidFill>
+                  <a:schemeClr val="tx1">
+                    <a:lumMod val="75000"/>
+                    <a:lumOff val="25000"/>
+                  </a:schemeClr>
+                </a:solidFill>
+                <a:latin typeface="华文宋体" pitchFamily="2" charset="-122"/>
+                <a:ea typeface="华文宋体" pitchFamily="2" charset="-122"/>
+              </a:rPr>
+              <a:t>        使用</a:t>
+            </a:r>
+            <a:r>
+              <a:rPr lang="en-US" altLang="zh-CN" sz="1200" dirty="0">
+                <a:solidFill>
+                  <a:schemeClr val="tx1">
+                    <a:lumMod val="75000"/>
+                    <a:lumOff val="25000"/>
+                  </a:schemeClr>
+                </a:solidFill>
+                <a:latin typeface="华文宋体" pitchFamily="2" charset="-122"/>
+                <a:ea typeface="华文宋体" pitchFamily="2" charset="-122"/>
+              </a:rPr>
+              <a:t>@</a:t>
+            </a:r>
+            <a:r>
+              <a:rPr lang="en-US" altLang="zh-CN" sz="1200" dirty="0" err="1">
+                <a:solidFill>
+                  <a:schemeClr val="tx1">
+                    <a:lumMod val="75000"/>
+                    <a:lumOff val="25000"/>
+                  </a:schemeClr>
+                </a:solidFill>
+                <a:latin typeface="华文宋体" pitchFamily="2" charset="-122"/>
+                <a:ea typeface="华文宋体" pitchFamily="2" charset="-122"/>
+              </a:rPr>
+              <a:t>Async</a:t>
+            </a:r>
+            <a:r>
+              <a:rPr lang="zh-CN" altLang="en-US" sz="1200" dirty="0">
+                <a:solidFill>
+                  <a:schemeClr val="tx1">
+                    <a:lumMod val="75000"/>
+                    <a:lumOff val="25000"/>
+                  </a:schemeClr>
+                </a:solidFill>
+                <a:latin typeface="华文宋体" pitchFamily="2" charset="-122"/>
+                <a:ea typeface="华文宋体" pitchFamily="2" charset="-122"/>
+              </a:rPr>
+              <a:t>注解，注意使用配置好的线程池，不要使用默认方式，默认方式使用</a:t>
+            </a:r>
+            <a:endParaRPr lang="en-US" altLang="zh-CN" sz="1200" dirty="0">
+              <a:solidFill>
+                <a:schemeClr val="tx1">
+                  <a:lumMod val="75000"/>
+                  <a:lumOff val="25000"/>
+                </a:schemeClr>
+              </a:solidFill>
+              <a:latin typeface="华文宋体" pitchFamily="2" charset="-122"/>
+              <a:ea typeface="华文宋体" pitchFamily="2" charset="-122"/>
+            </a:endParaRPr>
+          </a:p>
+          <a:p>
+            <a:r>
+              <a:rPr lang="en-US" altLang="zh-CN" sz="1200" dirty="0" err="1">
+                <a:solidFill>
+                  <a:schemeClr val="tx1">
+                    <a:lumMod val="75000"/>
+                    <a:lumOff val="25000"/>
+                  </a:schemeClr>
+                </a:solidFill>
+                <a:latin typeface="华文宋体" pitchFamily="2" charset="-122"/>
+                <a:ea typeface="华文宋体" pitchFamily="2" charset="-122"/>
+              </a:rPr>
+              <a:t>SimpleAsyncTaskExecutor</a:t>
+            </a:r>
+            <a:r>
+              <a:rPr lang="zh-CN" altLang="en-US" sz="1200" dirty="0">
+                <a:solidFill>
+                  <a:schemeClr val="tx1">
+                    <a:lumMod val="75000"/>
+                    <a:lumOff val="25000"/>
+                  </a:schemeClr>
+                </a:solidFill>
+                <a:latin typeface="华文宋体" pitchFamily="2" charset="-122"/>
+                <a:ea typeface="华文宋体" pitchFamily="2" charset="-122"/>
+              </a:rPr>
+              <a:t>，</a:t>
+            </a:r>
+            <a:r>
+              <a:rPr lang="en-US" altLang="zh-CN" sz="1200" dirty="0" err="1">
+                <a:solidFill>
+                  <a:schemeClr val="tx1">
+                    <a:lumMod val="75000"/>
+                    <a:lumOff val="25000"/>
+                  </a:schemeClr>
+                </a:solidFill>
+                <a:latin typeface="华文宋体" pitchFamily="2" charset="-122"/>
+                <a:ea typeface="华文宋体" pitchFamily="2" charset="-122"/>
+              </a:rPr>
+              <a:t>BlockingQueue</a:t>
+            </a:r>
+            <a:r>
+              <a:rPr lang="zh-CN" altLang="en-US" sz="1200" dirty="0">
+                <a:solidFill>
+                  <a:schemeClr val="tx1">
+                    <a:lumMod val="75000"/>
+                    <a:lumOff val="25000"/>
+                  </a:schemeClr>
+                </a:solidFill>
+                <a:latin typeface="华文宋体" pitchFamily="2" charset="-122"/>
+                <a:ea typeface="华文宋体" pitchFamily="2" charset="-122"/>
+              </a:rPr>
+              <a:t>是</a:t>
+            </a:r>
+            <a:r>
+              <a:rPr lang="en-US" altLang="zh-CN" sz="1200" dirty="0" err="1">
+                <a:solidFill>
+                  <a:schemeClr val="tx1">
+                    <a:lumMod val="75000"/>
+                    <a:lumOff val="25000"/>
+                  </a:schemeClr>
+                </a:solidFill>
+                <a:latin typeface="华文宋体" pitchFamily="2" charset="-122"/>
+                <a:ea typeface="华文宋体" pitchFamily="2" charset="-122"/>
+              </a:rPr>
+              <a:t>Integer.MAX_VALUE</a:t>
+            </a:r>
+            <a:r>
+              <a:rPr lang="en-US" altLang="zh-CN" sz="1200" dirty="0">
+                <a:solidFill>
+                  <a:schemeClr val="tx1">
+                    <a:lumMod val="75000"/>
+                    <a:lumOff val="25000"/>
+                  </a:schemeClr>
+                </a:solidFill>
+                <a:latin typeface="华文宋体" pitchFamily="2" charset="-122"/>
+                <a:ea typeface="华文宋体" pitchFamily="2" charset="-122"/>
+              </a:rPr>
+              <a:t>,</a:t>
+            </a:r>
+            <a:r>
+              <a:rPr lang="zh-CN" altLang="en-US" sz="1200" dirty="0">
+                <a:solidFill>
+                  <a:schemeClr val="tx1">
+                    <a:lumMod val="75000"/>
+                    <a:lumOff val="25000"/>
+                  </a:schemeClr>
+                </a:solidFill>
+                <a:latin typeface="华文宋体" pitchFamily="2" charset="-122"/>
+                <a:ea typeface="华文宋体" pitchFamily="2" charset="-122"/>
+              </a:rPr>
+              <a:t>有可能出现</a:t>
+            </a:r>
+            <a:r>
+              <a:rPr lang="en-US" altLang="zh-CN" sz="1200" dirty="0">
+                <a:solidFill>
+                  <a:schemeClr val="tx1">
+                    <a:lumMod val="75000"/>
+                    <a:lumOff val="25000"/>
+                  </a:schemeClr>
+                </a:solidFill>
+                <a:latin typeface="华文宋体" pitchFamily="2" charset="-122"/>
+                <a:ea typeface="华文宋体" pitchFamily="2" charset="-122"/>
+              </a:rPr>
+              <a:t>OOM</a:t>
+            </a:r>
+            <a:r>
+              <a:rPr lang="zh-CN" altLang="en-US" sz="1200" dirty="0">
+                <a:solidFill>
+                  <a:schemeClr val="tx1">
+                    <a:lumMod val="75000"/>
+                    <a:lumOff val="25000"/>
+                  </a:schemeClr>
+                </a:solidFill>
+                <a:latin typeface="华文宋体" pitchFamily="2" charset="-122"/>
+                <a:ea typeface="华文宋体" pitchFamily="2" charset="-122"/>
+              </a:rPr>
+              <a:t>问题</a:t>
+            </a:r>
+            <a:endParaRPr lang="en-US" altLang="zh-CN" sz="1200" dirty="0">
+              <a:solidFill>
+                <a:schemeClr val="tx1">
+                  <a:lumMod val="75000"/>
+                  <a:lumOff val="25000"/>
+                </a:schemeClr>
+              </a:solidFill>
+              <a:latin typeface="华文宋体" pitchFamily="2" charset="-122"/>
+              <a:ea typeface="华文宋体" pitchFamily="2" charset="-122"/>
+            </a:endParaRPr>
+          </a:p>
+          <a:p>
+            <a:endParaRPr lang="en-US" altLang="zh-CN" sz="1200" dirty="0" smtClean="0">
+              <a:solidFill>
+                <a:schemeClr val="tx1">
+                  <a:lumMod val="75000"/>
+                  <a:lumOff val="25000"/>
+                </a:schemeClr>
+              </a:solidFill>
+              <a:latin typeface="微软雅黑" panose="020B0503020204020204" pitchFamily="34" charset="-122"/>
+              <a:ea typeface="微软雅黑" panose="020B0503020204020204" pitchFamily="34" charset="-122"/>
+            </a:endParaRPr>
+          </a:p>
+          <a:p>
+            <a:r>
+              <a:rPr lang="en-US" altLang="zh-CN" sz="1200" dirty="0" smtClean="0">
+                <a:solidFill>
+                  <a:schemeClr val="tx1">
+                    <a:lumMod val="75000"/>
+                    <a:lumOff val="25000"/>
+                  </a:schemeClr>
+                </a:solidFill>
+                <a:latin typeface="微软雅黑" panose="020B0503020204020204" pitchFamily="34" charset="-122"/>
+                <a:ea typeface="微软雅黑" panose="020B0503020204020204" pitchFamily="34" charset="-122"/>
+              </a:rPr>
+              <a:t>PS</a:t>
+            </a:r>
+            <a:r>
+              <a:rPr lang="zh-CN" altLang="en-US" sz="1200" dirty="0" smtClean="0">
+                <a:solidFill>
+                  <a:schemeClr val="tx1">
+                    <a:lumMod val="75000"/>
+                    <a:lumOff val="25000"/>
+                  </a:schemeClr>
+                </a:solidFill>
+                <a:latin typeface="微软雅黑" panose="020B0503020204020204" pitchFamily="34" charset="-122"/>
+                <a:ea typeface="微软雅黑" panose="020B0503020204020204" pitchFamily="34" charset="-122"/>
+              </a:rPr>
+              <a:t>：</a:t>
+            </a:r>
+            <a:endParaRPr lang="en-US" altLang="zh-CN" sz="1200" dirty="0">
+              <a:solidFill>
+                <a:schemeClr val="tx1">
+                  <a:lumMod val="75000"/>
+                  <a:lumOff val="25000"/>
+                </a:schemeClr>
+              </a:solidFill>
+              <a:latin typeface="微软雅黑" panose="020B0503020204020204" pitchFamily="34" charset="-122"/>
+              <a:ea typeface="微软雅黑" panose="020B0503020204020204" pitchFamily="34" charset="-122"/>
+            </a:endParaRPr>
+          </a:p>
+          <a:p>
+            <a:r>
+              <a:rPr lang="en-US" altLang="zh-CN" sz="1200" dirty="0" smtClean="0">
+                <a:solidFill>
+                  <a:schemeClr val="tx1">
+                    <a:lumMod val="75000"/>
+                    <a:lumOff val="25000"/>
+                  </a:schemeClr>
+                </a:solidFill>
+                <a:latin typeface="微软雅黑" panose="020B0503020204020204" pitchFamily="34" charset="-122"/>
+                <a:ea typeface="微软雅黑" panose="020B0503020204020204" pitchFamily="34" charset="-122"/>
+              </a:rPr>
+              <a:t> </a:t>
+            </a:r>
+            <a:r>
+              <a:rPr lang="en-US" altLang="zh-CN" sz="1200" dirty="0" smtClean="0">
+                <a:solidFill>
+                  <a:schemeClr val="tx1">
+                    <a:lumMod val="75000"/>
+                    <a:lumOff val="25000"/>
+                  </a:schemeClr>
+                </a:solidFill>
+                <a:latin typeface="微软雅黑" panose="020B0503020204020204" pitchFamily="34" charset="-122"/>
+                <a:ea typeface="微软雅黑" panose="020B0503020204020204" pitchFamily="34" charset="-122"/>
+              </a:rPr>
+              <a:t>     </a:t>
+            </a:r>
+            <a:r>
+              <a:rPr lang="zh-CN" altLang="en-US" sz="1200" dirty="0">
+                <a:solidFill>
+                  <a:schemeClr val="tx1">
+                    <a:lumMod val="75000"/>
+                    <a:lumOff val="25000"/>
+                  </a:schemeClr>
+                </a:solidFill>
+                <a:latin typeface="华文宋体" pitchFamily="2" charset="-122"/>
+                <a:ea typeface="华文宋体" pitchFamily="2" charset="-122"/>
+              </a:rPr>
+              <a:t>如果，子任务里有数据库操作，且依赖主线程内数据库操作结果，注意先把主线程内</a:t>
+            </a:r>
+            <a:endParaRPr lang="en-US" altLang="zh-CN" sz="1200" dirty="0">
+              <a:solidFill>
+                <a:schemeClr val="tx1">
+                  <a:lumMod val="75000"/>
+                  <a:lumOff val="25000"/>
+                </a:schemeClr>
+              </a:solidFill>
+              <a:latin typeface="华文宋体" pitchFamily="2" charset="-122"/>
+              <a:ea typeface="华文宋体" pitchFamily="2" charset="-122"/>
+            </a:endParaRPr>
+          </a:p>
+          <a:p>
+            <a:r>
+              <a:rPr lang="zh-CN" altLang="en-US" sz="1200" dirty="0">
+                <a:solidFill>
+                  <a:schemeClr val="tx1">
+                    <a:lumMod val="75000"/>
+                    <a:lumOff val="25000"/>
+                  </a:schemeClr>
+                </a:solidFill>
+                <a:latin typeface="华文宋体" pitchFamily="2" charset="-122"/>
+                <a:ea typeface="华文宋体" pitchFamily="2" charset="-122"/>
+              </a:rPr>
+              <a:t>的事务提交，避免子线程拿到主线程提交前的数据。造成数据不一致。</a:t>
+            </a:r>
+            <a:endParaRPr lang="en-US" altLang="zh-CN" sz="1200" dirty="0">
+              <a:solidFill>
+                <a:schemeClr val="tx1">
+                  <a:lumMod val="75000"/>
+                  <a:lumOff val="25000"/>
+                </a:schemeClr>
+              </a:solidFill>
+              <a:latin typeface="华文宋体" pitchFamily="2" charset="-122"/>
+              <a:ea typeface="华文宋体" pitchFamily="2" charset="-122"/>
+            </a:endParaRPr>
+          </a:p>
+          <a:p>
+            <a:endParaRPr lang="en-US" altLang="zh-CN" sz="1200" dirty="0" smtClean="0">
+              <a:solidFill>
+                <a:schemeClr val="tx1">
+                  <a:lumMod val="75000"/>
+                  <a:lumOff val="25000"/>
+                </a:schemeClr>
+              </a:solidFill>
+              <a:latin typeface="微软雅黑" panose="020B0503020204020204" pitchFamily="34" charset="-122"/>
+              <a:ea typeface="微软雅黑" panose="020B0503020204020204" pitchFamily="34" charset="-122"/>
+            </a:endParaRPr>
           </a:p>
         </p:txBody>
       </p:sp>
@@ -7046,7 +7810,7 @@
   <a:extraClrSchemeLst/>
   <a:extLst>
     <a:ext uri="{05A4C25C-085E-4340-85A3-A5531E510DB2}">
-      <thm15:themeFamily xmlns:thm15="http://schemas.microsoft.com/office/thememl/2012/main" xmlns="" name="Office Theme" id="{62F939B6-93AF-4DB8-9C6B-D6C7DFDC589F}" vid="{4A3C46E8-61CC-4603-A589-7422A47A8E4A}"/>
+      <thm15:themeFamily xmlns="" xmlns:thm15="http://schemas.microsoft.com/office/thememl/2012/main" name="Office Theme" id="{62F939B6-93AF-4DB8-9C6B-D6C7DFDC589F}" vid="{4A3C46E8-61CC-4603-A589-7422A47A8E4A}"/>
     </a:ext>
   </a:extLst>
 </a:theme>
@@ -7336,7 +8100,7 @@
   <a:extraClrSchemeLst/>
   <a:extLst>
     <a:ext uri="{05A4C25C-085E-4340-85A3-A5531E510DB2}">
-      <thm15:themeFamily xmlns:thm15="http://schemas.microsoft.com/office/thememl/2012/main" xmlns="" name="Office Theme" id="{62F939B6-93AF-4DB8-9C6B-D6C7DFDC589F}" vid="{4A3C46E8-61CC-4603-A589-7422A47A8E4A}"/>
+      <thm15:themeFamily xmlns="" xmlns:thm15="http://schemas.microsoft.com/office/thememl/2012/main" name="Office Theme" id="{62F939B6-93AF-4DB8-9C6B-D6C7DFDC589F}" vid="{4A3C46E8-61CC-4603-A589-7422A47A8E4A}"/>
     </a:ext>
   </a:extLst>
 </a:theme>
@@ -7626,7 +8390,7 @@
   <a:extraClrSchemeLst/>
   <a:extLst>
     <a:ext uri="{05A4C25C-085E-4340-85A3-A5531E510DB2}">
-      <thm15:themeFamily xmlns:thm15="http://schemas.microsoft.com/office/thememl/2012/main" xmlns="" name="Office Theme" id="{62F939B6-93AF-4DB8-9C6B-D6C7DFDC589F}" vid="{4A3C46E8-61CC-4603-A589-7422A47A8E4A}"/>
+      <thm15:themeFamily xmlns="" xmlns:thm15="http://schemas.microsoft.com/office/thememl/2012/main" name="Office Theme" id="{62F939B6-93AF-4DB8-9C6B-D6C7DFDC589F}" vid="{4A3C46E8-61CC-4603-A589-7422A47A8E4A}"/>
     </a:ext>
   </a:extLst>
 </a:theme>
